--- a/present/sighting_density.pptx
+++ b/present/sighting_density.pptx
@@ -5,19 +5,11 @@
     <p:sldMasterId id="2147483648" r:id="rId1"/>
   </p:sldMasterIdLst>
   <p:sldIdLst>
-    <p:sldId id="256" r:id="rId2"/>
-    <p:sldId id="259" r:id="rId3"/>
-    <p:sldId id="270" r:id="rId4"/>
-    <p:sldId id="260" r:id="rId5"/>
-    <p:sldId id="261" r:id="rId6"/>
-    <p:sldId id="262" r:id="rId7"/>
-    <p:sldId id="264" r:id="rId8"/>
-    <p:sldId id="265" r:id="rId9"/>
-    <p:sldId id="266" r:id="rId10"/>
-    <p:sldId id="267" r:id="rId11"/>
-    <p:sldId id="268" r:id="rId12"/>
-    <p:sldId id="269" r:id="rId13"/>
-    <p:sldId id="263" r:id="rId14"/>
+    <p:sldId id="270" r:id="rId2"/>
+    <p:sldId id="260" r:id="rId3"/>
+    <p:sldId id="268" r:id="rId4"/>
+    <p:sldId id="269" r:id="rId5"/>
+    <p:sldId id="263" r:id="rId6"/>
   </p:sldIdLst>
   <p:sldSz cx="12192000" cy="6858000"/>
   <p:notesSz cx="6858000" cy="9144000"/>
@@ -116,6 +108,11 @@
       </a:defRPr>
     </a:lvl9pPr>
   </p:defaultTextStyle>
+  <p:extLst>
+    <p:ext uri="{EFAFB233-063F-42B5-8137-9DF3F51BA10A}">
+      <p15:sldGuideLst xmlns:p15="http://schemas.microsoft.com/office/powerpoint/2012/main"/>
+    </p:ext>
+  </p:extLst>
 </p:presentation>
 </file>
 
@@ -250,7 +247,7 @@
           <a:p>
             <a:fld id="{EF8D402A-5CF7-4B6C-89EE-4FAADE8BC6A0}" type="datetimeFigureOut">
               <a:rPr lang="en-US" smtClean="0"/>
-              <a:t>9/21/2015</a:t>
+              <a:t>12/2/2015</a:t>
             </a:fld>
             <a:endParaRPr lang="en-US"/>
           </a:p>
@@ -420,7 +417,7 @@
           <a:p>
             <a:fld id="{EF8D402A-5CF7-4B6C-89EE-4FAADE8BC6A0}" type="datetimeFigureOut">
               <a:rPr lang="en-US" smtClean="0"/>
-              <a:t>9/21/2015</a:t>
+              <a:t>12/2/2015</a:t>
             </a:fld>
             <a:endParaRPr lang="en-US"/>
           </a:p>
@@ -600,7 +597,7 @@
           <a:p>
             <a:fld id="{EF8D402A-5CF7-4B6C-89EE-4FAADE8BC6A0}" type="datetimeFigureOut">
               <a:rPr lang="en-US" smtClean="0"/>
-              <a:t>9/21/2015</a:t>
+              <a:t>12/2/2015</a:t>
             </a:fld>
             <a:endParaRPr lang="en-US"/>
           </a:p>
@@ -770,7 +767,7 @@
           <a:p>
             <a:fld id="{EF8D402A-5CF7-4B6C-89EE-4FAADE8BC6A0}" type="datetimeFigureOut">
               <a:rPr lang="en-US" smtClean="0"/>
-              <a:t>9/21/2015</a:t>
+              <a:t>12/2/2015</a:t>
             </a:fld>
             <a:endParaRPr lang="en-US"/>
           </a:p>
@@ -1016,7 +1013,7 @@
           <a:p>
             <a:fld id="{EF8D402A-5CF7-4B6C-89EE-4FAADE8BC6A0}" type="datetimeFigureOut">
               <a:rPr lang="en-US" smtClean="0"/>
-              <a:t>9/21/2015</a:t>
+              <a:t>12/2/2015</a:t>
             </a:fld>
             <a:endParaRPr lang="en-US"/>
           </a:p>
@@ -1248,7 +1245,7 @@
           <a:p>
             <a:fld id="{EF8D402A-5CF7-4B6C-89EE-4FAADE8BC6A0}" type="datetimeFigureOut">
               <a:rPr lang="en-US" smtClean="0"/>
-              <a:t>9/21/2015</a:t>
+              <a:t>12/2/2015</a:t>
             </a:fld>
             <a:endParaRPr lang="en-US"/>
           </a:p>
@@ -1615,7 +1612,7 @@
           <a:p>
             <a:fld id="{EF8D402A-5CF7-4B6C-89EE-4FAADE8BC6A0}" type="datetimeFigureOut">
               <a:rPr lang="en-US" smtClean="0"/>
-              <a:t>9/21/2015</a:t>
+              <a:t>12/2/2015</a:t>
             </a:fld>
             <a:endParaRPr lang="en-US"/>
           </a:p>
@@ -1733,7 +1730,7 @@
           <a:p>
             <a:fld id="{EF8D402A-5CF7-4B6C-89EE-4FAADE8BC6A0}" type="datetimeFigureOut">
               <a:rPr lang="en-US" smtClean="0"/>
-              <a:t>9/21/2015</a:t>
+              <a:t>12/2/2015</a:t>
             </a:fld>
             <a:endParaRPr lang="en-US"/>
           </a:p>
@@ -1828,7 +1825,7 @@
           <a:p>
             <a:fld id="{EF8D402A-5CF7-4B6C-89EE-4FAADE8BC6A0}" type="datetimeFigureOut">
               <a:rPr lang="en-US" smtClean="0"/>
-              <a:t>9/21/2015</a:t>
+              <a:t>12/2/2015</a:t>
             </a:fld>
             <a:endParaRPr lang="en-US"/>
           </a:p>
@@ -2105,7 +2102,7 @@
           <a:p>
             <a:fld id="{EF8D402A-5CF7-4B6C-89EE-4FAADE8BC6A0}" type="datetimeFigureOut">
               <a:rPr lang="en-US" smtClean="0"/>
-              <a:t>9/21/2015</a:t>
+              <a:t>12/2/2015</a:t>
             </a:fld>
             <a:endParaRPr lang="en-US"/>
           </a:p>
@@ -2358,7 +2355,7 @@
           <a:p>
             <a:fld id="{EF8D402A-5CF7-4B6C-89EE-4FAADE8BC6A0}" type="datetimeFigureOut">
               <a:rPr lang="en-US" smtClean="0"/>
-              <a:t>9/21/2015</a:t>
+              <a:t>12/2/2015</a:t>
             </a:fld>
             <a:endParaRPr lang="en-US"/>
           </a:p>
@@ -2571,7 +2568,7 @@
           <a:p>
             <a:fld id="{EF8D402A-5CF7-4B6C-89EE-4FAADE8BC6A0}" type="datetimeFigureOut">
               <a:rPr lang="en-US" smtClean="0"/>
-              <a:t>9/21/2015</a:t>
+              <a:t>12/2/2015</a:t>
             </a:fld>
             <a:endParaRPr lang="en-US"/>
           </a:p>
@@ -2978,289 +2975,6 @@
       </p:grpSpPr>
       <p:pic>
         <p:nvPicPr>
-          <p:cNvPr id="4" name="Picture 3"/>
-          <p:cNvPicPr>
-            <a:picLocks noChangeAspect="1"/>
-          </p:cNvPicPr>
-          <p:nvPr/>
-        </p:nvPicPr>
-        <p:blipFill rotWithShape="1">
-          <a:blip r:embed="rId2"/>
-          <a:srcRect t="4589" b="2101"/>
-          <a:stretch/>
-        </p:blipFill>
-        <p:spPr>
-          <a:xfrm>
-            <a:off x="0" y="0"/>
-            <a:ext cx="12161520" cy="6900421"/>
-          </a:xfrm>
-          <a:prstGeom prst="rect">
-            <a:avLst/>
-          </a:prstGeom>
-        </p:spPr>
-      </p:pic>
-      <p:sp>
-        <p:nvSpPr>
-          <p:cNvPr id="5" name="TextBox 4"/>
-          <p:cNvSpPr txBox="1"/>
-          <p:nvPr/>
-        </p:nvSpPr>
-        <p:spPr>
-          <a:xfrm>
-            <a:off x="0" y="0"/>
-            <a:ext cx="3695307" cy="477054"/>
-          </a:xfrm>
-          <a:prstGeom prst="rect">
-            <a:avLst/>
-          </a:prstGeom>
-          <a:solidFill>
-            <a:schemeClr val="bg2">
-              <a:lumMod val="90000"/>
-            </a:schemeClr>
-          </a:solidFill>
-        </p:spPr>
-        <p:txBody>
-          <a:bodyPr wrap="square" rtlCol="0">
-            <a:spAutoFit/>
-          </a:bodyPr>
-          <a:lstStyle/>
-          <a:p>
-            <a:r>
-              <a:rPr lang="en-US" sz="2500" b="1" dirty="0" smtClean="0">
-                <a:latin typeface="Open Sans" panose="020B0606030504020204" pitchFamily="34" charset="0"/>
-                <a:ea typeface="Open Sans" panose="020B0606030504020204" pitchFamily="34" charset="0"/>
-                <a:cs typeface="Open Sans" panose="020B0606030504020204" pitchFamily="34" charset="0"/>
-              </a:rPr>
-              <a:t>First sightings by year</a:t>
-            </a:r>
-            <a:endParaRPr lang="en-US" sz="2500" b="1" dirty="0">
-              <a:latin typeface="Open Sans" panose="020B0606030504020204" pitchFamily="34" charset="0"/>
-              <a:ea typeface="Open Sans" panose="020B0606030504020204" pitchFamily="34" charset="0"/>
-              <a:cs typeface="Open Sans" panose="020B0606030504020204" pitchFamily="34" charset="0"/>
-            </a:endParaRPr>
-          </a:p>
-        </p:txBody>
-      </p:sp>
-    </p:spTree>
-    <p:extLst>
-      <p:ext uri="{BB962C8B-B14F-4D97-AF65-F5344CB8AC3E}">
-        <p14:creationId xmlns:p14="http://schemas.microsoft.com/office/powerpoint/2010/main" val="2026686003"/>
-      </p:ext>
-    </p:extLst>
-  </p:cSld>
-  <p:clrMapOvr>
-    <a:masterClrMapping/>
-  </p:clrMapOvr>
-  <p:timing>
-    <p:tnLst>
-      <p:par>
-        <p:cTn id="1" dur="indefinite" restart="never" nodeType="tmRoot"/>
-      </p:par>
-    </p:tnLst>
-  </p:timing>
-</p:sld>
-</file>
-
-<file path=ppt/slides/slide10.xml><?xml version="1.0" encoding="utf-8"?>
-<p:sld xmlns:a="http://schemas.openxmlformats.org/drawingml/2006/main" xmlns:r="http://schemas.openxmlformats.org/officeDocument/2006/relationships" xmlns:p="http://schemas.openxmlformats.org/presentationml/2006/main">
-  <p:cSld>
-    <p:spTree>
-      <p:nvGrpSpPr>
-        <p:cNvPr id="1" name=""/>
-        <p:cNvGrpSpPr/>
-        <p:nvPr/>
-      </p:nvGrpSpPr>
-      <p:grpSpPr>
-        <a:xfrm>
-          <a:off x="0" y="0"/>
-          <a:ext cx="0" cy="0"/>
-          <a:chOff x="0" y="0"/>
-          <a:chExt cx="0" cy="0"/>
-        </a:xfrm>
-      </p:grpSpPr>
-    </p:spTree>
-    <p:extLst>
-      <p:ext uri="{BB962C8B-B14F-4D97-AF65-F5344CB8AC3E}">
-        <p14:creationId xmlns:p14="http://schemas.microsoft.com/office/powerpoint/2010/main" val="3871518396"/>
-      </p:ext>
-    </p:extLst>
-  </p:cSld>
-  <p:clrMapOvr>
-    <a:masterClrMapping/>
-  </p:clrMapOvr>
-</p:sld>
-</file>
-
-<file path=ppt/slides/slide11.xml><?xml version="1.0" encoding="utf-8"?>
-<p:sld xmlns:a="http://schemas.openxmlformats.org/drawingml/2006/main" xmlns:r="http://schemas.openxmlformats.org/officeDocument/2006/relationships" xmlns:p="http://schemas.openxmlformats.org/presentationml/2006/main">
-  <p:cSld>
-    <p:spTree>
-      <p:nvGrpSpPr>
-        <p:cNvPr id="1" name=""/>
-        <p:cNvGrpSpPr/>
-        <p:nvPr/>
-      </p:nvGrpSpPr>
-      <p:grpSpPr>
-        <a:xfrm>
-          <a:off x="0" y="0"/>
-          <a:ext cx="0" cy="0"/>
-          <a:chOff x="0" y="0"/>
-          <a:chExt cx="0" cy="0"/>
-        </a:xfrm>
-      </p:grpSpPr>
-    </p:spTree>
-    <p:extLst>
-      <p:ext uri="{BB962C8B-B14F-4D97-AF65-F5344CB8AC3E}">
-        <p14:creationId xmlns:p14="http://schemas.microsoft.com/office/powerpoint/2010/main" val="2616613801"/>
-      </p:ext>
-    </p:extLst>
-  </p:cSld>
-  <p:clrMapOvr>
-    <a:masterClrMapping/>
-  </p:clrMapOvr>
-</p:sld>
-</file>
-
-<file path=ppt/slides/slide12.xml><?xml version="1.0" encoding="utf-8"?>
-<p:sld xmlns:a="http://schemas.openxmlformats.org/drawingml/2006/main" xmlns:r="http://schemas.openxmlformats.org/officeDocument/2006/relationships" xmlns:p="http://schemas.openxmlformats.org/presentationml/2006/main">
-  <p:cSld>
-    <p:spTree>
-      <p:nvGrpSpPr>
-        <p:cNvPr id="1" name=""/>
-        <p:cNvGrpSpPr/>
-        <p:nvPr/>
-      </p:nvGrpSpPr>
-      <p:grpSpPr>
-        <a:xfrm>
-          <a:off x="0" y="0"/>
-          <a:ext cx="0" cy="0"/>
-          <a:chOff x="0" y="0"/>
-          <a:chExt cx="0" cy="0"/>
-        </a:xfrm>
-      </p:grpSpPr>
-    </p:spTree>
-    <p:extLst>
-      <p:ext uri="{BB962C8B-B14F-4D97-AF65-F5344CB8AC3E}">
-        <p14:creationId xmlns:p14="http://schemas.microsoft.com/office/powerpoint/2010/main" val="3438909856"/>
-      </p:ext>
-    </p:extLst>
-  </p:cSld>
-  <p:clrMapOvr>
-    <a:masterClrMapping/>
-  </p:clrMapOvr>
-</p:sld>
-</file>
-
-<file path=ppt/slides/slide13.xml><?xml version="1.0" encoding="utf-8"?>
-<p:sld xmlns:a="http://schemas.openxmlformats.org/drawingml/2006/main" xmlns:r="http://schemas.openxmlformats.org/officeDocument/2006/relationships" xmlns:p="http://schemas.openxmlformats.org/presentationml/2006/main">
-  <p:cSld>
-    <p:spTree>
-      <p:nvGrpSpPr>
-        <p:cNvPr id="1" name=""/>
-        <p:cNvGrpSpPr/>
-        <p:nvPr/>
-      </p:nvGrpSpPr>
-      <p:grpSpPr>
-        <a:xfrm>
-          <a:off x="0" y="0"/>
-          <a:ext cx="0" cy="0"/>
-          <a:chOff x="0" y="0"/>
-          <a:chExt cx="0" cy="0"/>
-        </a:xfrm>
-      </p:grpSpPr>
-    </p:spTree>
-    <p:extLst>
-      <p:ext uri="{BB962C8B-B14F-4D97-AF65-F5344CB8AC3E}">
-        <p14:creationId xmlns:p14="http://schemas.microsoft.com/office/powerpoint/2010/main" val="3948413640"/>
-      </p:ext>
-    </p:extLst>
-  </p:cSld>
-  <p:clrMapOvr>
-    <a:masterClrMapping/>
-  </p:clrMapOvr>
-</p:sld>
-</file>
-
-<file path=ppt/slides/slide2.xml><?xml version="1.0" encoding="utf-8"?>
-<p:sld xmlns:a="http://schemas.openxmlformats.org/drawingml/2006/main" xmlns:r="http://schemas.openxmlformats.org/officeDocument/2006/relationships" xmlns:p="http://schemas.openxmlformats.org/presentationml/2006/main">
-  <p:cSld>
-    <p:spTree>
-      <p:nvGrpSpPr>
-        <p:cNvPr id="1" name=""/>
-        <p:cNvGrpSpPr/>
-        <p:nvPr/>
-      </p:nvGrpSpPr>
-      <p:grpSpPr>
-        <a:xfrm>
-          <a:off x="0" y="0"/>
-          <a:ext cx="0" cy="0"/>
-          <a:chOff x="0" y="0"/>
-          <a:chExt cx="0" cy="0"/>
-        </a:xfrm>
-      </p:grpSpPr>
-      <p:pic>
-        <p:nvPicPr>
-          <p:cNvPr id="2" name="Picture 1"/>
-          <p:cNvPicPr>
-            <a:picLocks noChangeAspect="1"/>
-          </p:cNvPicPr>
-          <p:nvPr/>
-        </p:nvPicPr>
-        <p:blipFill>
-          <a:blip r:embed="rId2"/>
-          <a:stretch>
-            <a:fillRect/>
-          </a:stretch>
-        </p:blipFill>
-        <p:spPr>
-          <a:xfrm>
-            <a:off x="0" y="0"/>
-            <a:ext cx="12161520" cy="6687290"/>
-          </a:xfrm>
-          <a:prstGeom prst="rect">
-            <a:avLst/>
-          </a:prstGeom>
-        </p:spPr>
-      </p:pic>
-    </p:spTree>
-    <p:extLst>
-      <p:ext uri="{BB962C8B-B14F-4D97-AF65-F5344CB8AC3E}">
-        <p14:creationId xmlns:p14="http://schemas.microsoft.com/office/powerpoint/2010/main" val="3578716865"/>
-      </p:ext>
-    </p:extLst>
-  </p:cSld>
-  <p:clrMapOvr>
-    <a:masterClrMapping/>
-  </p:clrMapOvr>
-  <p:timing>
-    <p:tnLst>
-      <p:par>
-        <p:cTn id="1" dur="indefinite" restart="never" nodeType="tmRoot"/>
-      </p:par>
-    </p:tnLst>
-  </p:timing>
-</p:sld>
-</file>
-
-<file path=ppt/slides/slide3.xml><?xml version="1.0" encoding="utf-8"?>
-<p:sld xmlns:a="http://schemas.openxmlformats.org/drawingml/2006/main" xmlns:r="http://schemas.openxmlformats.org/officeDocument/2006/relationships" xmlns:p="http://schemas.openxmlformats.org/presentationml/2006/main">
-  <p:cSld>
-    <p:spTree>
-      <p:nvGrpSpPr>
-        <p:cNvPr id="1" name=""/>
-        <p:cNvGrpSpPr/>
-        <p:nvPr/>
-      </p:nvGrpSpPr>
-      <p:grpSpPr>
-        <a:xfrm>
-          <a:off x="0" y="0"/>
-          <a:ext cx="0" cy="0"/>
-          <a:chOff x="0" y="0"/>
-          <a:chExt cx="0" cy="0"/>
-        </a:xfrm>
-      </p:grpSpPr>
-      <p:pic>
-        <p:nvPicPr>
           <p:cNvPr id="2" name="Picture 1"/>
           <p:cNvPicPr>
             <a:picLocks noChangeAspect="1"/>
@@ -3283,6 +2997,48 @@
           </a:prstGeom>
         </p:spPr>
       </p:pic>
+      <p:sp>
+        <p:nvSpPr>
+          <p:cNvPr id="3" name="TextBox 2"/>
+          <p:cNvSpPr txBox="1"/>
+          <p:nvPr/>
+        </p:nvSpPr>
+        <p:spPr>
+          <a:xfrm>
+            <a:off x="0" y="0"/>
+            <a:ext cx="3695307" cy="477054"/>
+          </a:xfrm>
+          <a:prstGeom prst="rect">
+            <a:avLst/>
+          </a:prstGeom>
+          <a:solidFill>
+            <a:schemeClr val="bg2">
+              <a:lumMod val="90000"/>
+            </a:schemeClr>
+          </a:solidFill>
+        </p:spPr>
+        <p:txBody>
+          <a:bodyPr wrap="square" rtlCol="0">
+            <a:spAutoFit/>
+          </a:bodyPr>
+          <a:lstStyle/>
+          <a:p>
+            <a:r>
+              <a:rPr lang="en-US" sz="2500" b="1" dirty="0" smtClean="0">
+                <a:latin typeface="Open Sans" panose="020B0606030504020204" pitchFamily="34" charset="0"/>
+                <a:ea typeface="Open Sans" panose="020B0606030504020204" pitchFamily="34" charset="0"/>
+                <a:cs typeface="Open Sans" panose="020B0606030504020204" pitchFamily="34" charset="0"/>
+              </a:rPr>
+              <a:t>First sightings by year</a:t>
+            </a:r>
+            <a:endParaRPr lang="en-US" sz="2500" b="1" dirty="0">
+              <a:latin typeface="Open Sans" panose="020B0606030504020204" pitchFamily="34" charset="0"/>
+              <a:ea typeface="Open Sans" panose="020B0606030504020204" pitchFamily="34" charset="0"/>
+              <a:cs typeface="Open Sans" panose="020B0606030504020204" pitchFamily="34" charset="0"/>
+            </a:endParaRPr>
+          </a:p>
+        </p:txBody>
+      </p:sp>
     </p:spTree>
     <p:extLst>
       <p:ext uri="{BB962C8B-B14F-4D97-AF65-F5344CB8AC3E}">
@@ -3303,7 +3059,7 @@
 </p:sld>
 </file>
 
-<file path=ppt/slides/slide4.xml><?xml version="1.0" encoding="utf-8"?>
+<file path=ppt/slides/slide2.xml><?xml version="1.0" encoding="utf-8"?>
 <p:sld xmlns:a="http://schemas.openxmlformats.org/drawingml/2006/main" xmlns:r="http://schemas.openxmlformats.org/officeDocument/2006/relationships" xmlns:p="http://schemas.openxmlformats.org/presentationml/2006/main">
   <p:cSld>
     <p:spTree>
@@ -3406,6 +3162,116 @@
 </p:sld>
 </file>
 
+<file path=ppt/slides/slide3.xml><?xml version="1.0" encoding="utf-8"?>
+<p:sld xmlns:a="http://schemas.openxmlformats.org/drawingml/2006/main" xmlns:r="http://schemas.openxmlformats.org/officeDocument/2006/relationships" xmlns:p="http://schemas.openxmlformats.org/presentationml/2006/main">
+  <p:cSld>
+    <p:spTree>
+      <p:nvGrpSpPr>
+        <p:cNvPr id="1" name=""/>
+        <p:cNvGrpSpPr/>
+        <p:nvPr/>
+      </p:nvGrpSpPr>
+      <p:grpSpPr>
+        <a:xfrm>
+          <a:off x="0" y="0"/>
+          <a:ext cx="0" cy="0"/>
+          <a:chOff x="0" y="0"/>
+          <a:chExt cx="0" cy="0"/>
+        </a:xfrm>
+      </p:grpSpPr>
+      <p:sp>
+        <p:nvSpPr>
+          <p:cNvPr id="2" name="TextBox 1"/>
+          <p:cNvSpPr txBox="1"/>
+          <p:nvPr/>
+        </p:nvSpPr>
+        <p:spPr>
+          <a:xfrm>
+            <a:off x="0" y="0"/>
+            <a:ext cx="3695307" cy="2015936"/>
+          </a:xfrm>
+          <a:prstGeom prst="rect">
+            <a:avLst/>
+          </a:prstGeom>
+          <a:solidFill>
+            <a:schemeClr val="bg2">
+              <a:lumMod val="90000"/>
+            </a:schemeClr>
+          </a:solidFill>
+        </p:spPr>
+        <p:txBody>
+          <a:bodyPr wrap="square" rtlCol="0">
+            <a:spAutoFit/>
+          </a:bodyPr>
+          <a:lstStyle/>
+          <a:p>
+            <a:r>
+              <a:rPr lang="en-US" sz="2500" b="1" dirty="0" smtClean="0">
+                <a:latin typeface="Open Sans" panose="020B0606030504020204" pitchFamily="34" charset="0"/>
+                <a:ea typeface="Open Sans" panose="020B0606030504020204" pitchFamily="34" charset="0"/>
+                <a:cs typeface="Open Sans" panose="020B0606030504020204" pitchFamily="34" charset="0"/>
+              </a:rPr>
+              <a:t>Density of first sightings in each grid cell over all </a:t>
+            </a:r>
+            <a:r>
+              <a:rPr lang="en-US" sz="2500" b="1" dirty="0" smtClean="0">
+                <a:latin typeface="Open Sans" panose="020B0606030504020204" pitchFamily="34" charset="0"/>
+                <a:ea typeface="Open Sans" panose="020B0606030504020204" pitchFamily="34" charset="0"/>
+                <a:cs typeface="Open Sans" panose="020B0606030504020204" pitchFamily="34" charset="0"/>
+              </a:rPr>
+              <a:t>years adjusted by detection probability</a:t>
+            </a:r>
+            <a:endParaRPr lang="en-US" sz="2500" b="1" dirty="0">
+              <a:latin typeface="Open Sans" panose="020B0606030504020204" pitchFamily="34" charset="0"/>
+              <a:ea typeface="Open Sans" panose="020B0606030504020204" pitchFamily="34" charset="0"/>
+              <a:cs typeface="Open Sans" panose="020B0606030504020204" pitchFamily="34" charset="0"/>
+            </a:endParaRPr>
+          </a:p>
+        </p:txBody>
+      </p:sp>
+    </p:spTree>
+    <p:extLst>
+      <p:ext uri="{BB962C8B-B14F-4D97-AF65-F5344CB8AC3E}">
+        <p14:creationId xmlns:p14="http://schemas.microsoft.com/office/powerpoint/2010/main" val="2616613801"/>
+      </p:ext>
+    </p:extLst>
+  </p:cSld>
+  <p:clrMapOvr>
+    <a:masterClrMapping/>
+  </p:clrMapOvr>
+</p:sld>
+</file>
+
+<file path=ppt/slides/slide4.xml><?xml version="1.0" encoding="utf-8"?>
+<p:sld xmlns:a="http://schemas.openxmlformats.org/drawingml/2006/main" xmlns:r="http://schemas.openxmlformats.org/officeDocument/2006/relationships" xmlns:p="http://schemas.openxmlformats.org/presentationml/2006/main">
+  <p:cSld>
+    <p:spTree>
+      <p:nvGrpSpPr>
+        <p:cNvPr id="1" name=""/>
+        <p:cNvGrpSpPr/>
+        <p:nvPr/>
+      </p:nvGrpSpPr>
+      <p:grpSpPr>
+        <a:xfrm>
+          <a:off x="0" y="0"/>
+          <a:ext cx="0" cy="0"/>
+          <a:chOff x="0" y="0"/>
+          <a:chExt cx="0" cy="0"/>
+        </a:xfrm>
+      </p:grpSpPr>
+    </p:spTree>
+    <p:extLst>
+      <p:ext uri="{BB962C8B-B14F-4D97-AF65-F5344CB8AC3E}">
+        <p14:creationId xmlns:p14="http://schemas.microsoft.com/office/powerpoint/2010/main" val="3438909856"/>
+      </p:ext>
+    </p:extLst>
+  </p:cSld>
+  <p:clrMapOvr>
+    <a:masterClrMapping/>
+  </p:clrMapOvr>
+</p:sld>
+</file>
+
 <file path=ppt/slides/slide5.xml><?xml version="1.0" encoding="utf-8"?>
 <p:sld xmlns:a="http://schemas.openxmlformats.org/drawingml/2006/main" xmlns:r="http://schemas.openxmlformats.org/officeDocument/2006/relationships" xmlns:p="http://schemas.openxmlformats.org/presentationml/2006/main">
   <p:cSld>
@@ -3426,134 +3292,7 @@
     </p:spTree>
     <p:extLst>
       <p:ext uri="{BB962C8B-B14F-4D97-AF65-F5344CB8AC3E}">
-        <p14:creationId xmlns:p14="http://schemas.microsoft.com/office/powerpoint/2010/main" val="3311745859"/>
-      </p:ext>
-    </p:extLst>
-  </p:cSld>
-  <p:clrMapOvr>
-    <a:masterClrMapping/>
-  </p:clrMapOvr>
-  <p:timing>
-    <p:tnLst>
-      <p:par>
-        <p:cTn id="1" dur="indefinite" restart="never" nodeType="tmRoot"/>
-      </p:par>
-    </p:tnLst>
-  </p:timing>
-</p:sld>
-</file>
-
-<file path=ppt/slides/slide6.xml><?xml version="1.0" encoding="utf-8"?>
-<p:sld xmlns:a="http://schemas.openxmlformats.org/drawingml/2006/main" xmlns:r="http://schemas.openxmlformats.org/officeDocument/2006/relationships" xmlns:p="http://schemas.openxmlformats.org/presentationml/2006/main">
-  <p:cSld>
-    <p:spTree>
-      <p:nvGrpSpPr>
-        <p:cNvPr id="1" name=""/>
-        <p:cNvGrpSpPr/>
-        <p:nvPr/>
-      </p:nvGrpSpPr>
-      <p:grpSpPr>
-        <a:xfrm>
-          <a:off x="0" y="0"/>
-          <a:ext cx="0" cy="0"/>
-          <a:chOff x="0" y="0"/>
-          <a:chExt cx="0" cy="0"/>
-        </a:xfrm>
-      </p:grpSpPr>
-    </p:spTree>
-    <p:extLst>
-      <p:ext uri="{BB962C8B-B14F-4D97-AF65-F5344CB8AC3E}">
-        <p14:creationId xmlns:p14="http://schemas.microsoft.com/office/powerpoint/2010/main" val="2141104145"/>
-      </p:ext>
-    </p:extLst>
-  </p:cSld>
-  <p:clrMapOvr>
-    <a:masterClrMapping/>
-  </p:clrMapOvr>
-</p:sld>
-</file>
-
-<file path=ppt/slides/slide7.xml><?xml version="1.0" encoding="utf-8"?>
-<p:sld xmlns:a="http://schemas.openxmlformats.org/drawingml/2006/main" xmlns:r="http://schemas.openxmlformats.org/officeDocument/2006/relationships" xmlns:p="http://schemas.openxmlformats.org/presentationml/2006/main">
-  <p:cSld>
-    <p:spTree>
-      <p:nvGrpSpPr>
-        <p:cNvPr id="1" name=""/>
-        <p:cNvGrpSpPr/>
-        <p:nvPr/>
-      </p:nvGrpSpPr>
-      <p:grpSpPr>
-        <a:xfrm>
-          <a:off x="0" y="0"/>
-          <a:ext cx="0" cy="0"/>
-          <a:chOff x="0" y="0"/>
-          <a:chExt cx="0" cy="0"/>
-        </a:xfrm>
-      </p:grpSpPr>
-    </p:spTree>
-    <p:extLst>
-      <p:ext uri="{BB962C8B-B14F-4D97-AF65-F5344CB8AC3E}">
-        <p14:creationId xmlns:p14="http://schemas.microsoft.com/office/powerpoint/2010/main" val="164315906"/>
-      </p:ext>
-    </p:extLst>
-  </p:cSld>
-  <p:clrMapOvr>
-    <a:masterClrMapping/>
-  </p:clrMapOvr>
-</p:sld>
-</file>
-
-<file path=ppt/slides/slide8.xml><?xml version="1.0" encoding="utf-8"?>
-<p:sld xmlns:a="http://schemas.openxmlformats.org/drawingml/2006/main" xmlns:r="http://schemas.openxmlformats.org/officeDocument/2006/relationships" xmlns:p="http://schemas.openxmlformats.org/presentationml/2006/main">
-  <p:cSld>
-    <p:spTree>
-      <p:nvGrpSpPr>
-        <p:cNvPr id="1" name=""/>
-        <p:cNvGrpSpPr/>
-        <p:nvPr/>
-      </p:nvGrpSpPr>
-      <p:grpSpPr>
-        <a:xfrm>
-          <a:off x="0" y="0"/>
-          <a:ext cx="0" cy="0"/>
-          <a:chOff x="0" y="0"/>
-          <a:chExt cx="0" cy="0"/>
-        </a:xfrm>
-      </p:grpSpPr>
-    </p:spTree>
-    <p:extLst>
-      <p:ext uri="{BB962C8B-B14F-4D97-AF65-F5344CB8AC3E}">
-        <p14:creationId xmlns:p14="http://schemas.microsoft.com/office/powerpoint/2010/main" val="2734035558"/>
-      </p:ext>
-    </p:extLst>
-  </p:cSld>
-  <p:clrMapOvr>
-    <a:masterClrMapping/>
-  </p:clrMapOvr>
-</p:sld>
-</file>
-
-<file path=ppt/slides/slide9.xml><?xml version="1.0" encoding="utf-8"?>
-<p:sld xmlns:a="http://schemas.openxmlformats.org/drawingml/2006/main" xmlns:r="http://schemas.openxmlformats.org/officeDocument/2006/relationships" xmlns:p="http://schemas.openxmlformats.org/presentationml/2006/main">
-  <p:cSld>
-    <p:spTree>
-      <p:nvGrpSpPr>
-        <p:cNvPr id="1" name=""/>
-        <p:cNvGrpSpPr/>
-        <p:nvPr/>
-      </p:nvGrpSpPr>
-      <p:grpSpPr>
-        <a:xfrm>
-          <a:off x="0" y="0"/>
-          <a:ext cx="0" cy="0"/>
-          <a:chOff x="0" y="0"/>
-          <a:chExt cx="0" cy="0"/>
-        </a:xfrm>
-      </p:grpSpPr>
-    </p:spTree>
-    <p:extLst>
-      <p:ext uri="{BB962C8B-B14F-4D97-AF65-F5344CB8AC3E}">
-        <p14:creationId xmlns:p14="http://schemas.microsoft.com/office/powerpoint/2010/main" val="962181313"/>
+        <p14:creationId xmlns:p14="http://schemas.microsoft.com/office/powerpoint/2010/main" val="3948413640"/>
       </p:ext>
     </p:extLst>
   </p:cSld>
